--- a/figs/stakeholders.pptx
+++ b/figs/stakeholders.pptx
@@ -104,6 +104,11 @@
       </a:defRPr>
     </a:lvl9pPr>
   </p:defaultTextStyle>
+  <p:extLst>
+    <p:ext uri="{EFAFB233-063F-42B5-8137-9DF3F51BA10A}">
+      <p15:sldGuideLst xmlns:p15="http://schemas.microsoft.com/office/powerpoint/2012/main"/>
+    </p:ext>
+  </p:extLst>
 </p:presentation>
 </file>
 
@@ -911,10 +916,18 @@
         <a:lstStyle/>
         <a:p>
           <a:r>
-            <a:rPr lang="en-US" dirty="0" smtClean="0"/>
+            <a:rPr lang="en-US" dirty="0" smtClean="0">
+              <a:solidFill>
+                <a:schemeClr val="tx1"/>
+              </a:solidFill>
+            </a:rPr>
             <a:t>Medical Device</a:t>
           </a:r>
-          <a:endParaRPr lang="en-US" dirty="0"/>
+          <a:endParaRPr lang="en-US" dirty="0">
+            <a:solidFill>
+              <a:schemeClr val="tx1"/>
+            </a:solidFill>
+          </a:endParaRPr>
         </a:p>
       </dgm:t>
     </dgm:pt>
@@ -1098,18 +1111,46 @@
         </dgm:presLayoutVars>
       </dgm:prSet>
       <dgm:spPr/>
+      <dgm:t>
+        <a:bodyPr/>
+        <a:lstStyle/>
+        <a:p>
+          <a:endParaRPr lang="en-US"/>
+        </a:p>
+      </dgm:t>
     </dgm:pt>
     <dgm:pt modelId="{0E53205E-8BAF-4AD7-8E3D-183AE2511134}" type="pres">
       <dgm:prSet presAssocID="{DD41B6AC-2EF9-488E-ADE7-B8F10EB657A0}" presName="centerShape" presStyleLbl="node0" presStyleIdx="0" presStyleCnt="1"/>
       <dgm:spPr/>
+      <dgm:t>
+        <a:bodyPr/>
+        <a:lstStyle/>
+        <a:p>
+          <a:endParaRPr lang="en-US"/>
+        </a:p>
+      </dgm:t>
     </dgm:pt>
     <dgm:pt modelId="{ECFF3215-037B-4007-B902-C5EBB180C562}" type="pres">
       <dgm:prSet presAssocID="{F357132C-9206-4524-BF49-D44D24AE8D9B}" presName="parTrans" presStyleLbl="sibTrans2D1" presStyleIdx="0" presStyleCnt="4"/>
       <dgm:spPr/>
+      <dgm:t>
+        <a:bodyPr/>
+        <a:lstStyle/>
+        <a:p>
+          <a:endParaRPr lang="en-US"/>
+        </a:p>
+      </dgm:t>
     </dgm:pt>
     <dgm:pt modelId="{BCC08592-D5E6-4DA2-A63E-682D800B88EB}" type="pres">
       <dgm:prSet presAssocID="{F357132C-9206-4524-BF49-D44D24AE8D9B}" presName="connectorText" presStyleLbl="sibTrans2D1" presStyleIdx="0" presStyleCnt="4"/>
       <dgm:spPr/>
+      <dgm:t>
+        <a:bodyPr/>
+        <a:lstStyle/>
+        <a:p>
+          <a:endParaRPr lang="en-US"/>
+        </a:p>
+      </dgm:t>
     </dgm:pt>
     <dgm:pt modelId="{90CA4BEF-2505-4B4D-A8E8-048753ED96D1}" type="pres">
       <dgm:prSet presAssocID="{AFEFD964-EE31-4181-830A-070959A28BCA}" presName="node" presStyleLbl="node1" presStyleIdx="0" presStyleCnt="4">
@@ -1118,14 +1159,35 @@
         </dgm:presLayoutVars>
       </dgm:prSet>
       <dgm:spPr/>
+      <dgm:t>
+        <a:bodyPr/>
+        <a:lstStyle/>
+        <a:p>
+          <a:endParaRPr lang="en-US"/>
+        </a:p>
+      </dgm:t>
     </dgm:pt>
     <dgm:pt modelId="{13AC717F-8E24-4BB3-AF8E-E370050B90EB}" type="pres">
       <dgm:prSet presAssocID="{F267BD3C-CDE6-4208-8695-CFCF0C85A094}" presName="parTrans" presStyleLbl="sibTrans2D1" presStyleIdx="1" presStyleCnt="4"/>
       <dgm:spPr/>
+      <dgm:t>
+        <a:bodyPr/>
+        <a:lstStyle/>
+        <a:p>
+          <a:endParaRPr lang="en-US"/>
+        </a:p>
+      </dgm:t>
     </dgm:pt>
     <dgm:pt modelId="{E8973CC9-0C1E-467E-B683-20BB0D901A98}" type="pres">
       <dgm:prSet presAssocID="{F267BD3C-CDE6-4208-8695-CFCF0C85A094}" presName="connectorText" presStyleLbl="sibTrans2D1" presStyleIdx="1" presStyleCnt="4"/>
       <dgm:spPr/>
+      <dgm:t>
+        <a:bodyPr/>
+        <a:lstStyle/>
+        <a:p>
+          <a:endParaRPr lang="en-US"/>
+        </a:p>
+      </dgm:t>
     </dgm:pt>
     <dgm:pt modelId="{1FB95DF6-7945-451D-B508-C69434BF5D5F}" type="pres">
       <dgm:prSet presAssocID="{92F540D6-1C0F-4592-8DC4-78A864918A11}" presName="node" presStyleLbl="node1" presStyleIdx="1" presStyleCnt="4">
@@ -1134,14 +1196,35 @@
         </dgm:presLayoutVars>
       </dgm:prSet>
       <dgm:spPr/>
+      <dgm:t>
+        <a:bodyPr/>
+        <a:lstStyle/>
+        <a:p>
+          <a:endParaRPr lang="en-US"/>
+        </a:p>
+      </dgm:t>
     </dgm:pt>
     <dgm:pt modelId="{BE61FA4A-9AD9-4D2D-88C7-CF81B068B95B}" type="pres">
       <dgm:prSet presAssocID="{992EFF29-2612-424F-9AF9-3603B968ADAF}" presName="parTrans" presStyleLbl="sibTrans2D1" presStyleIdx="2" presStyleCnt="4"/>
       <dgm:spPr/>
+      <dgm:t>
+        <a:bodyPr/>
+        <a:lstStyle/>
+        <a:p>
+          <a:endParaRPr lang="en-US"/>
+        </a:p>
+      </dgm:t>
     </dgm:pt>
     <dgm:pt modelId="{C6A5BB69-2B52-4333-9247-9E7A5DFF0894}" type="pres">
       <dgm:prSet presAssocID="{992EFF29-2612-424F-9AF9-3603B968ADAF}" presName="connectorText" presStyleLbl="sibTrans2D1" presStyleIdx="2" presStyleCnt="4"/>
       <dgm:spPr/>
+      <dgm:t>
+        <a:bodyPr/>
+        <a:lstStyle/>
+        <a:p>
+          <a:endParaRPr lang="en-US"/>
+        </a:p>
+      </dgm:t>
     </dgm:pt>
     <dgm:pt modelId="{082281DE-6831-4E84-A83C-7824E7002537}" type="pres">
       <dgm:prSet presAssocID="{48E32122-22ED-419F-8EAC-2F3B5D9B3A51}" presName="node" presStyleLbl="node1" presStyleIdx="2" presStyleCnt="4">
@@ -1150,14 +1233,35 @@
         </dgm:presLayoutVars>
       </dgm:prSet>
       <dgm:spPr/>
+      <dgm:t>
+        <a:bodyPr/>
+        <a:lstStyle/>
+        <a:p>
+          <a:endParaRPr lang="en-US"/>
+        </a:p>
+      </dgm:t>
     </dgm:pt>
     <dgm:pt modelId="{F0397290-0971-4D1D-9EF5-DFD0164AEC99}" type="pres">
       <dgm:prSet presAssocID="{C173E201-F84F-4530-ADD6-D7D4CB2159D6}" presName="parTrans" presStyleLbl="sibTrans2D1" presStyleIdx="3" presStyleCnt="4"/>
       <dgm:spPr/>
+      <dgm:t>
+        <a:bodyPr/>
+        <a:lstStyle/>
+        <a:p>
+          <a:endParaRPr lang="en-US"/>
+        </a:p>
+      </dgm:t>
     </dgm:pt>
     <dgm:pt modelId="{3A88FE64-55E5-421F-8EC4-122AAD46B0EC}" type="pres">
       <dgm:prSet presAssocID="{C173E201-F84F-4530-ADD6-D7D4CB2159D6}" presName="connectorText" presStyleLbl="sibTrans2D1" presStyleIdx="3" presStyleCnt="4"/>
       <dgm:spPr/>
+      <dgm:t>
+        <a:bodyPr/>
+        <a:lstStyle/>
+        <a:p>
+          <a:endParaRPr lang="en-US"/>
+        </a:p>
+      </dgm:t>
     </dgm:pt>
     <dgm:pt modelId="{CD43D766-C59C-4724-BED9-3FF6F25F9A36}" type="pres">
       <dgm:prSet presAssocID="{C8F55576-F7E3-4299-A013-CCAC5D7D6959}" presName="node" presStyleLbl="node1" presStyleIdx="3" presStyleCnt="4">
@@ -1166,28 +1270,35 @@
         </dgm:presLayoutVars>
       </dgm:prSet>
       <dgm:spPr/>
+      <dgm:t>
+        <a:bodyPr/>
+        <a:lstStyle/>
+        <a:p>
+          <a:endParaRPr lang="en-US"/>
+        </a:p>
+      </dgm:t>
     </dgm:pt>
   </dgm:ptLst>
   <dgm:cxnLst>
+    <dgm:cxn modelId="{31F8A87E-485B-48A6-AFD8-081728772703}" type="presOf" srcId="{F357132C-9206-4524-BF49-D44D24AE8D9B}" destId="{BCC08592-D5E6-4DA2-A63E-682D800B88EB}" srcOrd="1" destOrd="0" presId="urn:microsoft.com/office/officeart/2005/8/layout/radial5"/>
     <dgm:cxn modelId="{37D5C196-E7FB-44C5-9A40-B5E3223604BD}" srcId="{114246C5-E718-4ED6-98DB-486518582EE9}" destId="{DD41B6AC-2EF9-488E-ADE7-B8F10EB657A0}" srcOrd="0" destOrd="0" parTransId="{A2AC57B2-B481-438B-9A6E-01E2796C57CE}" sibTransId="{EE15F16F-DB30-45A6-8D7B-46E8330A3904}"/>
+    <dgm:cxn modelId="{62C6DF63-F16D-4C9B-97CF-0ABBFB5EADB8}" type="presOf" srcId="{F267BD3C-CDE6-4208-8695-CFCF0C85A094}" destId="{13AC717F-8E24-4BB3-AF8E-E370050B90EB}" srcOrd="0" destOrd="0" presId="urn:microsoft.com/office/officeart/2005/8/layout/radial5"/>
+    <dgm:cxn modelId="{82A4F05F-C3C0-4A71-B657-5CC5408411A6}" type="presOf" srcId="{F267BD3C-CDE6-4208-8695-CFCF0C85A094}" destId="{E8973CC9-0C1E-467E-B683-20BB0D901A98}" srcOrd="1" destOrd="0" presId="urn:microsoft.com/office/officeart/2005/8/layout/radial5"/>
+    <dgm:cxn modelId="{3908B649-24DF-4F16-8198-BDE8FC4EBD1E}" type="presOf" srcId="{C173E201-F84F-4530-ADD6-D7D4CB2159D6}" destId="{F0397290-0971-4D1D-9EF5-DFD0164AEC99}" srcOrd="0" destOrd="0" presId="urn:microsoft.com/office/officeart/2005/8/layout/radial5"/>
+    <dgm:cxn modelId="{BC552181-2D91-47B5-98D2-7B9559711765}" srcId="{DD41B6AC-2EF9-488E-ADE7-B8F10EB657A0}" destId="{AFEFD964-EE31-4181-830A-070959A28BCA}" srcOrd="0" destOrd="0" parTransId="{F357132C-9206-4524-BF49-D44D24AE8D9B}" sibTransId="{7FE86870-68A5-41A6-9DA4-50ADB86ABD9A}"/>
+    <dgm:cxn modelId="{FE9404B0-8BAE-4711-83BB-96FA333D18C5}" type="presOf" srcId="{114246C5-E718-4ED6-98DB-486518582EE9}" destId="{170C627F-7421-4C9B-8B70-A4D2A77ABD84}" srcOrd="0" destOrd="0" presId="urn:microsoft.com/office/officeart/2005/8/layout/radial5"/>
+    <dgm:cxn modelId="{BE8CE79D-792F-4E44-8D3D-C56B069F185E}" type="presOf" srcId="{C8F55576-F7E3-4299-A013-CCAC5D7D6959}" destId="{CD43D766-C59C-4724-BED9-3FF6F25F9A36}" srcOrd="0" destOrd="0" presId="urn:microsoft.com/office/officeart/2005/8/layout/radial5"/>
+    <dgm:cxn modelId="{BB00D63D-9C6A-42EA-9B88-C70B1B56335B}" type="presOf" srcId="{C173E201-F84F-4530-ADD6-D7D4CB2159D6}" destId="{3A88FE64-55E5-421F-8EC4-122AAD46B0EC}" srcOrd="1" destOrd="0" presId="urn:microsoft.com/office/officeart/2005/8/layout/radial5"/>
+    <dgm:cxn modelId="{17073577-99B1-4185-A09F-C3778FAD140C}" srcId="{DD41B6AC-2EF9-488E-ADE7-B8F10EB657A0}" destId="{48E32122-22ED-419F-8EAC-2F3B5D9B3A51}" srcOrd="2" destOrd="0" parTransId="{992EFF29-2612-424F-9AF9-3603B968ADAF}" sibTransId="{80D397E3-C644-4A75-B34E-233190733949}"/>
+    <dgm:cxn modelId="{CE17C9E1-A7D1-407B-AD71-FBFDB200B9CA}" type="presOf" srcId="{DD41B6AC-2EF9-488E-ADE7-B8F10EB657A0}" destId="{0E53205E-8BAF-4AD7-8E3D-183AE2511134}" srcOrd="0" destOrd="0" presId="urn:microsoft.com/office/officeart/2005/8/layout/radial5"/>
+    <dgm:cxn modelId="{95117E4B-8F60-49EA-8CA0-CA371FCD829D}" srcId="{DD41B6AC-2EF9-488E-ADE7-B8F10EB657A0}" destId="{92F540D6-1C0F-4592-8DC4-78A864918A11}" srcOrd="1" destOrd="0" parTransId="{F267BD3C-CDE6-4208-8695-CFCF0C85A094}" sibTransId="{94F09E2E-1F6C-4CED-849A-E7564B84BA74}"/>
+    <dgm:cxn modelId="{D80F74A9-0DF3-4D50-8BEA-D2E52051B442}" srcId="{DD41B6AC-2EF9-488E-ADE7-B8F10EB657A0}" destId="{C8F55576-F7E3-4299-A013-CCAC5D7D6959}" srcOrd="3" destOrd="0" parTransId="{C173E201-F84F-4530-ADD6-D7D4CB2159D6}" sibTransId="{25071CEE-E5B8-4CB8-8406-066D1571E346}"/>
+    <dgm:cxn modelId="{1B615F88-E27A-41C0-9B9D-7E73E5B5A1A3}" type="presOf" srcId="{992EFF29-2612-424F-9AF9-3603B968ADAF}" destId="{C6A5BB69-2B52-4333-9247-9E7A5DFF0894}" srcOrd="1" destOrd="0" presId="urn:microsoft.com/office/officeart/2005/8/layout/radial5"/>
+    <dgm:cxn modelId="{CEEB0597-6A47-4658-9ECF-79DFF6BE4EF2}" type="presOf" srcId="{F357132C-9206-4524-BF49-D44D24AE8D9B}" destId="{ECFF3215-037B-4007-B902-C5EBB180C562}" srcOrd="0" destOrd="0" presId="urn:microsoft.com/office/officeart/2005/8/layout/radial5"/>
+    <dgm:cxn modelId="{3930708A-DC7E-498B-B365-7B25272F1AA3}" type="presOf" srcId="{AFEFD964-EE31-4181-830A-070959A28BCA}" destId="{90CA4BEF-2505-4B4D-A8E8-048753ED96D1}" srcOrd="0" destOrd="0" presId="urn:microsoft.com/office/officeart/2005/8/layout/radial5"/>
+    <dgm:cxn modelId="{5916792D-F97F-4C18-B9B9-26C8A37089FC}" type="presOf" srcId="{92F540D6-1C0F-4592-8DC4-78A864918A11}" destId="{1FB95DF6-7945-451D-B508-C69434BF5D5F}" srcOrd="0" destOrd="0" presId="urn:microsoft.com/office/officeart/2005/8/layout/radial5"/>
     <dgm:cxn modelId="{779538F9-F9F4-4D46-A498-D6866FFFAF91}" type="presOf" srcId="{992EFF29-2612-424F-9AF9-3603B968ADAF}" destId="{BE61FA4A-9AD9-4D2D-88C7-CF81B068B95B}" srcOrd="0" destOrd="0" presId="urn:microsoft.com/office/officeart/2005/8/layout/radial5"/>
-    <dgm:cxn modelId="{FE9404B0-8BAE-4711-83BB-96FA333D18C5}" type="presOf" srcId="{114246C5-E718-4ED6-98DB-486518582EE9}" destId="{170C627F-7421-4C9B-8B70-A4D2A77ABD84}" srcOrd="0" destOrd="0" presId="urn:microsoft.com/office/officeart/2005/8/layout/radial5"/>
-    <dgm:cxn modelId="{1B615F88-E27A-41C0-9B9D-7E73E5B5A1A3}" type="presOf" srcId="{992EFF29-2612-424F-9AF9-3603B968ADAF}" destId="{C6A5BB69-2B52-4333-9247-9E7A5DFF0894}" srcOrd="1" destOrd="0" presId="urn:microsoft.com/office/officeart/2005/8/layout/radial5"/>
-    <dgm:cxn modelId="{BE8CE79D-792F-4E44-8D3D-C56B069F185E}" type="presOf" srcId="{C8F55576-F7E3-4299-A013-CCAC5D7D6959}" destId="{CD43D766-C59C-4724-BED9-3FF6F25F9A36}" srcOrd="0" destOrd="0" presId="urn:microsoft.com/office/officeart/2005/8/layout/radial5"/>
-    <dgm:cxn modelId="{D80F74A9-0DF3-4D50-8BEA-D2E52051B442}" srcId="{DD41B6AC-2EF9-488E-ADE7-B8F10EB657A0}" destId="{C8F55576-F7E3-4299-A013-CCAC5D7D6959}" srcOrd="3" destOrd="0" parTransId="{C173E201-F84F-4530-ADD6-D7D4CB2159D6}" sibTransId="{25071CEE-E5B8-4CB8-8406-066D1571E346}"/>
     <dgm:cxn modelId="{158DC1F5-EF71-4150-A91C-739ED83BA439}" type="presOf" srcId="{48E32122-22ED-419F-8EAC-2F3B5D9B3A51}" destId="{082281DE-6831-4E84-A83C-7824E7002537}" srcOrd="0" destOrd="0" presId="urn:microsoft.com/office/officeart/2005/8/layout/radial5"/>
-    <dgm:cxn modelId="{95117E4B-8F60-49EA-8CA0-CA371FCD829D}" srcId="{DD41B6AC-2EF9-488E-ADE7-B8F10EB657A0}" destId="{92F540D6-1C0F-4592-8DC4-78A864918A11}" srcOrd="1" destOrd="0" parTransId="{F267BD3C-CDE6-4208-8695-CFCF0C85A094}" sibTransId="{94F09E2E-1F6C-4CED-849A-E7564B84BA74}"/>
-    <dgm:cxn modelId="{82A4F05F-C3C0-4A71-B657-5CC5408411A6}" type="presOf" srcId="{F267BD3C-CDE6-4208-8695-CFCF0C85A094}" destId="{E8973CC9-0C1E-467E-B683-20BB0D901A98}" srcOrd="1" destOrd="0" presId="urn:microsoft.com/office/officeart/2005/8/layout/radial5"/>
-    <dgm:cxn modelId="{17073577-99B1-4185-A09F-C3778FAD140C}" srcId="{DD41B6AC-2EF9-488E-ADE7-B8F10EB657A0}" destId="{48E32122-22ED-419F-8EAC-2F3B5D9B3A51}" srcOrd="2" destOrd="0" parTransId="{992EFF29-2612-424F-9AF9-3603B968ADAF}" sibTransId="{80D397E3-C644-4A75-B34E-233190733949}"/>
-    <dgm:cxn modelId="{62C6DF63-F16D-4C9B-97CF-0ABBFB5EADB8}" type="presOf" srcId="{F267BD3C-CDE6-4208-8695-CFCF0C85A094}" destId="{13AC717F-8E24-4BB3-AF8E-E370050B90EB}" srcOrd="0" destOrd="0" presId="urn:microsoft.com/office/officeart/2005/8/layout/radial5"/>
-    <dgm:cxn modelId="{CEEB0597-6A47-4658-9ECF-79DFF6BE4EF2}" type="presOf" srcId="{F357132C-9206-4524-BF49-D44D24AE8D9B}" destId="{ECFF3215-037B-4007-B902-C5EBB180C562}" srcOrd="0" destOrd="0" presId="urn:microsoft.com/office/officeart/2005/8/layout/radial5"/>
-    <dgm:cxn modelId="{BB00D63D-9C6A-42EA-9B88-C70B1B56335B}" type="presOf" srcId="{C173E201-F84F-4530-ADD6-D7D4CB2159D6}" destId="{3A88FE64-55E5-421F-8EC4-122AAD46B0EC}" srcOrd="1" destOrd="0" presId="urn:microsoft.com/office/officeart/2005/8/layout/radial5"/>
-    <dgm:cxn modelId="{3908B649-24DF-4F16-8198-BDE8FC4EBD1E}" type="presOf" srcId="{C173E201-F84F-4530-ADD6-D7D4CB2159D6}" destId="{F0397290-0971-4D1D-9EF5-DFD0164AEC99}" srcOrd="0" destOrd="0" presId="urn:microsoft.com/office/officeart/2005/8/layout/radial5"/>
-    <dgm:cxn modelId="{5916792D-F97F-4C18-B9B9-26C8A37089FC}" type="presOf" srcId="{92F540D6-1C0F-4592-8DC4-78A864918A11}" destId="{1FB95DF6-7945-451D-B508-C69434BF5D5F}" srcOrd="0" destOrd="0" presId="urn:microsoft.com/office/officeart/2005/8/layout/radial5"/>
-    <dgm:cxn modelId="{CE17C9E1-A7D1-407B-AD71-FBFDB200B9CA}" type="presOf" srcId="{DD41B6AC-2EF9-488E-ADE7-B8F10EB657A0}" destId="{0E53205E-8BAF-4AD7-8E3D-183AE2511134}" srcOrd="0" destOrd="0" presId="urn:microsoft.com/office/officeart/2005/8/layout/radial5"/>
-    <dgm:cxn modelId="{BC552181-2D91-47B5-98D2-7B9559711765}" srcId="{DD41B6AC-2EF9-488E-ADE7-B8F10EB657A0}" destId="{AFEFD964-EE31-4181-830A-070959A28BCA}" srcOrd="0" destOrd="0" parTransId="{F357132C-9206-4524-BF49-D44D24AE8D9B}" sibTransId="{7FE86870-68A5-41A6-9DA4-50ADB86ABD9A}"/>
-    <dgm:cxn modelId="{31F8A87E-485B-48A6-AFD8-081728772703}" type="presOf" srcId="{F357132C-9206-4524-BF49-D44D24AE8D9B}" destId="{BCC08592-D5E6-4DA2-A63E-682D800B88EB}" srcOrd="1" destOrd="0" presId="urn:microsoft.com/office/officeart/2005/8/layout/radial5"/>
-    <dgm:cxn modelId="{3930708A-DC7E-498B-B365-7B25272F1AA3}" type="presOf" srcId="{AFEFD964-EE31-4181-830A-070959A28BCA}" destId="{90CA4BEF-2505-4B4D-A8E8-048753ED96D1}" srcOrd="0" destOrd="0" presId="urn:microsoft.com/office/officeart/2005/8/layout/radial5"/>
     <dgm:cxn modelId="{A3D01BC7-27C3-4FBC-BCEE-442243AFC4FF}" type="presParOf" srcId="{170C627F-7421-4C9B-8B70-A4D2A77ABD84}" destId="{0E53205E-8BAF-4AD7-8E3D-183AE2511134}" srcOrd="0" destOrd="0" presId="urn:microsoft.com/office/officeart/2005/8/layout/radial5"/>
     <dgm:cxn modelId="{750B57CB-0D9C-4177-88EA-0F2E405BC369}" type="presParOf" srcId="{170C627F-7421-4C9B-8B70-A4D2A77ABD84}" destId="{ECFF3215-037B-4007-B902-C5EBB180C562}" srcOrd="1" destOrd="0" presId="urn:microsoft.com/office/officeart/2005/8/layout/radial5"/>
     <dgm:cxn modelId="{B993A4B3-CC83-4BB3-8384-3592AAA638F4}" type="presParOf" srcId="{ECFF3215-037B-4007-B902-C5EBB180C562}" destId="{BCC08592-D5E6-4DA2-A63E-682D800B88EB}" srcOrd="0" destOrd="0" presId="urn:microsoft.com/office/officeart/2005/8/layout/radial5"/>
@@ -1316,10 +1427,18 @@
             </a:spcAft>
           </a:pPr>
           <a:r>
-            <a:rPr lang="en-US" sz="2300" kern="1200" dirty="0" smtClean="0"/>
+            <a:rPr lang="en-US" sz="2300" kern="1200" dirty="0" smtClean="0">
+              <a:solidFill>
+                <a:schemeClr val="tx1"/>
+              </a:solidFill>
+            </a:rPr>
             <a:t>Medical Device</a:t>
           </a:r>
-          <a:endParaRPr lang="en-US" sz="2300" kern="1200" dirty="0"/>
+          <a:endParaRPr lang="en-US" sz="2300" kern="1200" dirty="0">
+            <a:solidFill>
+              <a:schemeClr val="tx1"/>
+            </a:solidFill>
+          </a:endParaRPr>
         </a:p>
       </dsp:txBody>
       <dsp:txXfrm>
@@ -3670,7 +3789,7 @@
           <a:p>
             <a:fld id="{2664E49D-57AA-412B-B425-44173CF6C9F9}" type="datetimeFigureOut">
               <a:rPr lang="en-US" smtClean="0"/>
-              <a:t>7/21/2015</a:t>
+              <a:t>7/22/2015</a:t>
             </a:fld>
             <a:endParaRPr lang="en-US"/>
           </a:p>
@@ -3840,7 +3959,7 @@
           <a:p>
             <a:fld id="{2664E49D-57AA-412B-B425-44173CF6C9F9}" type="datetimeFigureOut">
               <a:rPr lang="en-US" smtClean="0"/>
-              <a:t>7/21/2015</a:t>
+              <a:t>7/22/2015</a:t>
             </a:fld>
             <a:endParaRPr lang="en-US"/>
           </a:p>
@@ -4020,7 +4139,7 @@
           <a:p>
             <a:fld id="{2664E49D-57AA-412B-B425-44173CF6C9F9}" type="datetimeFigureOut">
               <a:rPr lang="en-US" smtClean="0"/>
-              <a:t>7/21/2015</a:t>
+              <a:t>7/22/2015</a:t>
             </a:fld>
             <a:endParaRPr lang="en-US"/>
           </a:p>
@@ -4190,7 +4309,7 @@
           <a:p>
             <a:fld id="{2664E49D-57AA-412B-B425-44173CF6C9F9}" type="datetimeFigureOut">
               <a:rPr lang="en-US" smtClean="0"/>
-              <a:t>7/21/2015</a:t>
+              <a:t>7/22/2015</a:t>
             </a:fld>
             <a:endParaRPr lang="en-US"/>
           </a:p>
@@ -4436,7 +4555,7 @@
           <a:p>
             <a:fld id="{2664E49D-57AA-412B-B425-44173CF6C9F9}" type="datetimeFigureOut">
               <a:rPr lang="en-US" smtClean="0"/>
-              <a:t>7/21/2015</a:t>
+              <a:t>7/22/2015</a:t>
             </a:fld>
             <a:endParaRPr lang="en-US"/>
           </a:p>
@@ -4668,7 +4787,7 @@
           <a:p>
             <a:fld id="{2664E49D-57AA-412B-B425-44173CF6C9F9}" type="datetimeFigureOut">
               <a:rPr lang="en-US" smtClean="0"/>
-              <a:t>7/21/2015</a:t>
+              <a:t>7/22/2015</a:t>
             </a:fld>
             <a:endParaRPr lang="en-US"/>
           </a:p>
@@ -5035,7 +5154,7 @@
           <a:p>
             <a:fld id="{2664E49D-57AA-412B-B425-44173CF6C9F9}" type="datetimeFigureOut">
               <a:rPr lang="en-US" smtClean="0"/>
-              <a:t>7/21/2015</a:t>
+              <a:t>7/22/2015</a:t>
             </a:fld>
             <a:endParaRPr lang="en-US"/>
           </a:p>
@@ -5153,7 +5272,7 @@
           <a:p>
             <a:fld id="{2664E49D-57AA-412B-B425-44173CF6C9F9}" type="datetimeFigureOut">
               <a:rPr lang="en-US" smtClean="0"/>
-              <a:t>7/21/2015</a:t>
+              <a:t>7/22/2015</a:t>
             </a:fld>
             <a:endParaRPr lang="en-US"/>
           </a:p>
@@ -5248,7 +5367,7 @@
           <a:p>
             <a:fld id="{2664E49D-57AA-412B-B425-44173CF6C9F9}" type="datetimeFigureOut">
               <a:rPr lang="en-US" smtClean="0"/>
-              <a:t>7/21/2015</a:t>
+              <a:t>7/22/2015</a:t>
             </a:fld>
             <a:endParaRPr lang="en-US"/>
           </a:p>
@@ -5525,7 +5644,7 @@
           <a:p>
             <a:fld id="{2664E49D-57AA-412B-B425-44173CF6C9F9}" type="datetimeFigureOut">
               <a:rPr lang="en-US" smtClean="0"/>
-              <a:t>7/21/2015</a:t>
+              <a:t>7/22/2015</a:t>
             </a:fld>
             <a:endParaRPr lang="en-US"/>
           </a:p>
@@ -5778,7 +5897,7 @@
           <a:p>
             <a:fld id="{2664E49D-57AA-412B-B425-44173CF6C9F9}" type="datetimeFigureOut">
               <a:rPr lang="en-US" smtClean="0"/>
-              <a:t>7/21/2015</a:t>
+              <a:t>7/22/2015</a:t>
             </a:fld>
             <a:endParaRPr lang="en-US"/>
           </a:p>
@@ -5991,7 +6110,7 @@
           <a:p>
             <a:fld id="{2664E49D-57AA-412B-B425-44173CF6C9F9}" type="datetimeFigureOut">
               <a:rPr lang="en-US" smtClean="0"/>
-              <a:t>7/21/2015</a:t>
+              <a:t>7/22/2015</a:t>
             </a:fld>
             <a:endParaRPr lang="en-US"/>
           </a:p>
@@ -6403,7 +6522,7 @@
           <p:nvPr>
             <p:extLst>
               <p:ext uri="{D42A27DB-BD31-4B8C-83A1-F6EECF244321}">
-                <p14:modId xmlns:p14="http://schemas.microsoft.com/office/powerpoint/2010/main" val="3120591728"/>
+                <p14:modId xmlns:p14="http://schemas.microsoft.com/office/powerpoint/2010/main" val="2497395712"/>
               </p:ext>
             </p:extLst>
           </p:nvPr>
@@ -6418,6 +6537,138 @@
           </a:graphicData>
         </a:graphic>
       </p:graphicFrame>
+      <p:cxnSp>
+        <p:nvCxnSpPr>
+          <p:cNvPr id="3" name="直接箭头连接符 2"/>
+          <p:cNvCxnSpPr/>
+          <p:nvPr/>
+        </p:nvCxnSpPr>
+        <p:spPr>
+          <a:xfrm flipV="1">
+            <a:off x="4572000" y="1931437"/>
+            <a:ext cx="942392" cy="923730"/>
+          </a:xfrm>
+          <a:prstGeom prst="straightConnector1">
+            <a:avLst/>
+          </a:prstGeom>
+          <a:ln>
+            <a:tailEnd type="triangle"/>
+          </a:ln>
+        </p:spPr>
+        <p:style>
+          <a:lnRef idx="1">
+            <a:schemeClr val="accent1"/>
+          </a:lnRef>
+          <a:fillRef idx="0">
+            <a:schemeClr val="accent1"/>
+          </a:fillRef>
+          <a:effectRef idx="0">
+            <a:schemeClr val="accent1"/>
+          </a:effectRef>
+          <a:fontRef idx="minor">
+            <a:schemeClr val="tx1"/>
+          </a:fontRef>
+        </p:style>
+      </p:cxnSp>
+      <p:cxnSp>
+        <p:nvCxnSpPr>
+          <p:cNvPr id="6" name="直接箭头连接符 5"/>
+          <p:cNvCxnSpPr/>
+          <p:nvPr/>
+        </p:nvCxnSpPr>
+        <p:spPr>
+          <a:xfrm>
+            <a:off x="6690049" y="1856792"/>
+            <a:ext cx="933061" cy="989045"/>
+          </a:xfrm>
+          <a:prstGeom prst="straightConnector1">
+            <a:avLst/>
+          </a:prstGeom>
+          <a:ln>
+            <a:tailEnd type="triangle"/>
+          </a:ln>
+        </p:spPr>
+        <p:style>
+          <a:lnRef idx="1">
+            <a:schemeClr val="accent1"/>
+          </a:lnRef>
+          <a:fillRef idx="0">
+            <a:schemeClr val="accent1"/>
+          </a:fillRef>
+          <a:effectRef idx="0">
+            <a:schemeClr val="accent1"/>
+          </a:effectRef>
+          <a:fontRef idx="minor">
+            <a:schemeClr val="tx1"/>
+          </a:fontRef>
+        </p:style>
+      </p:cxnSp>
+      <p:cxnSp>
+        <p:nvCxnSpPr>
+          <p:cNvPr id="8" name="直接箭头连接符 7"/>
+          <p:cNvCxnSpPr/>
+          <p:nvPr/>
+        </p:nvCxnSpPr>
+        <p:spPr>
+          <a:xfrm flipH="1">
+            <a:off x="6690049" y="4049486"/>
+            <a:ext cx="1035698" cy="933061"/>
+          </a:xfrm>
+          <a:prstGeom prst="straightConnector1">
+            <a:avLst/>
+          </a:prstGeom>
+          <a:ln>
+            <a:tailEnd type="triangle"/>
+          </a:ln>
+        </p:spPr>
+        <p:style>
+          <a:lnRef idx="1">
+            <a:schemeClr val="accent1"/>
+          </a:lnRef>
+          <a:fillRef idx="0">
+            <a:schemeClr val="accent1"/>
+          </a:fillRef>
+          <a:effectRef idx="0">
+            <a:schemeClr val="accent1"/>
+          </a:effectRef>
+          <a:fontRef idx="minor">
+            <a:schemeClr val="tx1"/>
+          </a:fontRef>
+        </p:style>
+      </p:cxnSp>
+      <p:cxnSp>
+        <p:nvCxnSpPr>
+          <p:cNvPr id="11" name="直接箭头连接符 10"/>
+          <p:cNvCxnSpPr/>
+          <p:nvPr/>
+        </p:nvCxnSpPr>
+        <p:spPr>
+          <a:xfrm flipH="1">
+            <a:off x="4236098" y="1586204"/>
+            <a:ext cx="1110343" cy="1129004"/>
+          </a:xfrm>
+          <a:prstGeom prst="straightConnector1">
+            <a:avLst/>
+          </a:prstGeom>
+          <a:ln>
+            <a:tailEnd type="triangle"/>
+          </a:ln>
+        </p:spPr>
+        <p:style>
+          <a:lnRef idx="1">
+            <a:schemeClr val="accent1"/>
+          </a:lnRef>
+          <a:fillRef idx="0">
+            <a:schemeClr val="accent1"/>
+          </a:fillRef>
+          <a:effectRef idx="0">
+            <a:schemeClr val="accent1"/>
+          </a:effectRef>
+          <a:fontRef idx="minor">
+            <a:schemeClr val="tx1"/>
+          </a:fontRef>
+        </p:style>
+      </p:cxnSp>
     </p:spTree>
     <p:extLst>
       <p:ext uri="{BB962C8B-B14F-4D97-AF65-F5344CB8AC3E}">
